--- a/TEAM-PRESENTATION.pptx
+++ b/TEAM-PRESENTATION.pptx
@@ -16,6 +16,7 @@
     <p:sldId id="264" r:id="rId14"/>
     <p:sldId id="265" r:id="rId15"/>
     <p:sldId id="266" r:id="rId16"/>
+    <p:sldId id="267" r:id="rId17"/>
   </p:sldIdLst>
   <p:sldSz cx="18288000" cy="10287000"/>
   <p:notesSz cx="6858000" cy="9144000"/>
@@ -3348,9 +3349,81 @@
           <a:chExt cx="0" cy="0"/>
         </a:xfrm>
       </p:grpSpPr>
+      <p:pic>
+        <p:nvPicPr>
+          <p:cNvPr name="Picture 2" id="2"/>
+          <p:cNvPicPr>
+            <a:picLocks noChangeAspect="true"/>
+          </p:cNvPicPr>
+          <p:nvPr/>
+        </p:nvPicPr>
+        <p:blipFill>
+          <a:blip r:embed="rId2"/>
+          <a:stretch>
+            <a:fillRect/>
+          </a:stretch>
+        </p:blipFill>
+        <p:spPr>
+          <a:xfrm rot="0">
+            <a:off x="0" y="0"/>
+            <a:ext cx="18288000" cy="1574800"/>
+          </a:xfrm>
+          <a:prstGeom prst="rect">
+            <a:avLst/>
+          </a:prstGeom>
+        </p:spPr>
+      </p:pic>
+      <p:pic>
+        <p:nvPicPr>
+          <p:cNvPr name="Picture 3" id="3"/>
+          <p:cNvPicPr>
+            <a:picLocks noChangeAspect="true"/>
+          </p:cNvPicPr>
+          <p:nvPr/>
+        </p:nvPicPr>
+        <p:blipFill>
+          <a:blip r:embed="rId3"/>
+          <a:stretch>
+            <a:fillRect/>
+          </a:stretch>
+        </p:blipFill>
+        <p:spPr>
+          <a:xfrm rot="0">
+            <a:off x="0" y="0"/>
+            <a:ext cx="1574800" cy="1574800"/>
+          </a:xfrm>
+          <a:prstGeom prst="rect">
+            <a:avLst/>
+          </a:prstGeom>
+        </p:spPr>
+      </p:pic>
+      <p:pic>
+        <p:nvPicPr>
+          <p:cNvPr name="Picture 4" id="4"/>
+          <p:cNvPicPr>
+            <a:picLocks noChangeAspect="true"/>
+          </p:cNvPicPr>
+          <p:nvPr/>
+        </p:nvPicPr>
+        <p:blipFill>
+          <a:blip r:embed="rId4"/>
+          <a:stretch>
+            <a:fillRect/>
+          </a:stretch>
+        </p:blipFill>
+        <p:spPr>
+          <a:xfrm rot="0">
+            <a:off x="0" y="1574800"/>
+            <a:ext cx="1574800" cy="8712200"/>
+          </a:xfrm>
+          <a:prstGeom prst="rect">
+            <a:avLst/>
+          </a:prstGeom>
+        </p:spPr>
+      </p:pic>
       <p:grpSp>
         <p:nvGrpSpPr>
-          <p:cNvPr name="Group 2" id="2"/>
+          <p:cNvPr name="Group 5" id="5"/>
           <p:cNvGrpSpPr/>
           <p:nvPr/>
         </p:nvGrpSpPr>
@@ -3363,78 +3436,6 @@
       </p:grpSp>
       <p:pic>
         <p:nvPicPr>
-          <p:cNvPr name="Picture 3" id="3"/>
-          <p:cNvPicPr>
-            <a:picLocks noChangeAspect="true"/>
-          </p:cNvPicPr>
-          <p:nvPr/>
-        </p:nvPicPr>
-        <p:blipFill>
-          <a:blip r:embed="rId2"/>
-          <a:stretch>
-            <a:fillRect/>
-          </a:stretch>
-        </p:blipFill>
-        <p:spPr>
-          <a:xfrm rot="0">
-            <a:off x="11201400" y="4800600"/>
-            <a:ext cx="7175500" cy="5384800"/>
-          </a:xfrm>
-          <a:prstGeom prst="rect">
-            <a:avLst/>
-          </a:prstGeom>
-        </p:spPr>
-      </p:pic>
-      <p:pic>
-        <p:nvPicPr>
-          <p:cNvPr name="Picture 4" id="4"/>
-          <p:cNvPicPr>
-            <a:picLocks noChangeAspect="true"/>
-          </p:cNvPicPr>
-          <p:nvPr/>
-        </p:nvPicPr>
-        <p:blipFill>
-          <a:blip r:embed="rId3"/>
-          <a:stretch>
-            <a:fillRect/>
-          </a:stretch>
-        </p:blipFill>
-        <p:spPr>
-          <a:xfrm rot="0">
-            <a:off x="0" y="0"/>
-            <a:ext cx="18288000" cy="1574800"/>
-          </a:xfrm>
-          <a:prstGeom prst="rect">
-            <a:avLst/>
-          </a:prstGeom>
-        </p:spPr>
-      </p:pic>
-      <p:pic>
-        <p:nvPicPr>
-          <p:cNvPr name="Picture 5" id="5"/>
-          <p:cNvPicPr>
-            <a:picLocks noChangeAspect="true"/>
-          </p:cNvPicPr>
-          <p:nvPr/>
-        </p:nvPicPr>
-        <p:blipFill>
-          <a:blip r:embed="rId4"/>
-          <a:stretch>
-            <a:fillRect/>
-          </a:stretch>
-        </p:blipFill>
-        <p:spPr>
-          <a:xfrm rot="0">
-            <a:off x="0" y="0"/>
-            <a:ext cx="1574800" cy="1574800"/>
-          </a:xfrm>
-          <a:prstGeom prst="rect">
-            <a:avLst/>
-          </a:prstGeom>
-        </p:spPr>
-      </p:pic>
-      <p:pic>
-        <p:nvPicPr>
           <p:cNvPr name="Picture 6" id="6"/>
           <p:cNvPicPr>
             <a:picLocks noChangeAspect="true"/>
@@ -3449,8 +3450,8 @@
         </p:blipFill>
         <p:spPr>
           <a:xfrm rot="0">
-            <a:off x="0" y="1574800"/>
-            <a:ext cx="1574800" cy="8712200"/>
+            <a:off x="11696700" y="1828800"/>
+            <a:ext cx="6172200" cy="3911600"/>
           </a:xfrm>
           <a:prstGeom prst="rect">
             <a:avLst/>
@@ -3486,8 +3487,8 @@
         </p:blipFill>
         <p:spPr>
           <a:xfrm rot="0">
-            <a:off x="11684000" y="1651000"/>
-            <a:ext cx="6210300" cy="3314700"/>
+            <a:off x="11696700" y="5753100"/>
+            <a:ext cx="6172200" cy="3911600"/>
           </a:xfrm>
           <a:prstGeom prst="rect">
             <a:avLst/>
@@ -3504,6 +3505,30 @@
         </p:nvPicPr>
         <p:blipFill>
           <a:blip r:embed="rId7"/>
+          <a:stretch>
+            <a:fillRect/>
+          </a:stretch>
+        </p:blipFill>
+        <p:spPr>
+          <a:xfrm rot="5400000">
+            <a:off x="14376400" y="5016500"/>
+            <a:ext cx="812800" cy="647700"/>
+          </a:xfrm>
+          <a:prstGeom prst="rect">
+            <a:avLst/>
+          </a:prstGeom>
+        </p:spPr>
+      </p:pic>
+      <p:pic>
+        <p:nvPicPr>
+          <p:cNvPr name="Picture 10" id="10"/>
+          <p:cNvPicPr>
+            <a:picLocks noChangeAspect="true"/>
+          </p:cNvPicPr>
+          <p:nvPr/>
+        </p:nvPicPr>
+        <p:blipFill>
+          <a:blip r:embed="rId8"/>
           <a:stretch>
             <a:fillRect/>
           </a:stretch>
@@ -3520,14 +3545,14 @@
       </p:pic>
       <p:pic>
         <p:nvPicPr>
-          <p:cNvPr name="Picture 10" id="10"/>
-          <p:cNvPicPr>
-            <a:picLocks noChangeAspect="true"/>
-          </p:cNvPicPr>
-          <p:nvPr/>
-        </p:nvPicPr>
-        <p:blipFill>
-          <a:blip r:embed="rId8"/>
+          <p:cNvPr name="Picture 11" id="11"/>
+          <p:cNvPicPr>
+            <a:picLocks noChangeAspect="true"/>
+          </p:cNvPicPr>
+          <p:nvPr/>
+        </p:nvPicPr>
+        <p:blipFill>
+          <a:blip r:embed="rId9"/>
           <a:stretch>
             <a:fillRect/>
           </a:stretch>
@@ -3544,14 +3569,14 @@
       </p:pic>
       <p:pic>
         <p:nvPicPr>
-          <p:cNvPr name="Picture 11" id="11"/>
-          <p:cNvPicPr>
-            <a:picLocks noChangeAspect="true"/>
-          </p:cNvPicPr>
-          <p:nvPr/>
-        </p:nvPicPr>
-        <p:blipFill>
-          <a:blip r:embed="rId9"/>
+          <p:cNvPr name="Picture 12" id="12"/>
+          <p:cNvPicPr>
+            <a:picLocks noChangeAspect="true"/>
+          </p:cNvPicPr>
+          <p:nvPr/>
+        </p:nvPicPr>
+        <p:blipFill>
+          <a:blip r:embed="rId10"/>
           <a:stretch>
             <a:fillRect/>
           </a:stretch>
@@ -3568,30 +3593,6 @@
       </p:pic>
       <p:pic>
         <p:nvPicPr>
-          <p:cNvPr name="Picture 12" id="12"/>
-          <p:cNvPicPr>
-            <a:picLocks noChangeAspect="true"/>
-          </p:cNvPicPr>
-          <p:nvPr/>
-        </p:nvPicPr>
-        <p:blipFill>
-          <a:blip r:embed="rId10"/>
-          <a:stretch>
-            <a:fillRect/>
-          </a:stretch>
-        </p:blipFill>
-        <p:spPr>
-          <a:xfrm rot="0">
-            <a:off x="2311400" y="3238500"/>
-            <a:ext cx="8496300" cy="6362700"/>
-          </a:xfrm>
-          <a:prstGeom prst="rect">
-            <a:avLst/>
-          </a:prstGeom>
-        </p:spPr>
-      </p:pic>
-      <p:pic>
-        <p:nvPicPr>
           <p:cNvPr name="Picture 13" id="13"/>
           <p:cNvPicPr>
             <a:picLocks noChangeAspect="true"/>
@@ -3606,8 +3607,8 @@
         </p:blipFill>
         <p:spPr>
           <a:xfrm rot="0">
-            <a:off x="2247900" y="2044700"/>
-            <a:ext cx="7962900" cy="965200"/>
+            <a:off x="2311400" y="3276600"/>
+            <a:ext cx="6299200" cy="3822700"/>
           </a:xfrm>
           <a:prstGeom prst="rect">
             <a:avLst/>
@@ -3629,9 +3630,9 @@
           </a:stretch>
         </p:blipFill>
         <p:spPr>
-          <a:xfrm rot="5400000">
-            <a:off x="14376400" y="4279900"/>
-            <a:ext cx="812800" cy="647700"/>
+          <a:xfrm rot="0">
+            <a:off x="2235200" y="2044700"/>
+            <a:ext cx="8216900" cy="965200"/>
           </a:xfrm>
           <a:prstGeom prst="rect">
             <a:avLst/>
@@ -3670,6 +3671,328 @@
           <a:chExt cx="0" cy="0"/>
         </a:xfrm>
       </p:grpSpPr>
+      <p:grpSp>
+        <p:nvGrpSpPr>
+          <p:cNvPr name="Group 2" id="2"/>
+          <p:cNvGrpSpPr/>
+          <p:nvPr/>
+        </p:nvGrpSpPr>
+        <p:grpSpPr>
+          <a:xfrm>
+            <a:off x="2147483647" y="2147483647"/>
+            <a:ext cx="2147483647" cy="2147483647"/>
+          </a:xfrm>
+        </p:grpSpPr>
+      </p:grpSp>
+      <p:pic>
+        <p:nvPicPr>
+          <p:cNvPr name="Picture 3" id="3"/>
+          <p:cNvPicPr>
+            <a:picLocks noChangeAspect="true"/>
+          </p:cNvPicPr>
+          <p:nvPr/>
+        </p:nvPicPr>
+        <p:blipFill>
+          <a:blip r:embed="rId2"/>
+          <a:stretch>
+            <a:fillRect/>
+          </a:stretch>
+        </p:blipFill>
+        <p:spPr>
+          <a:xfrm rot="0">
+            <a:off x="11201400" y="4800600"/>
+            <a:ext cx="7175500" cy="5384800"/>
+          </a:xfrm>
+          <a:prstGeom prst="rect">
+            <a:avLst/>
+          </a:prstGeom>
+        </p:spPr>
+      </p:pic>
+      <p:pic>
+        <p:nvPicPr>
+          <p:cNvPr name="Picture 4" id="4"/>
+          <p:cNvPicPr>
+            <a:picLocks noChangeAspect="true"/>
+          </p:cNvPicPr>
+          <p:nvPr/>
+        </p:nvPicPr>
+        <p:blipFill>
+          <a:blip r:embed="rId3"/>
+          <a:stretch>
+            <a:fillRect/>
+          </a:stretch>
+        </p:blipFill>
+        <p:spPr>
+          <a:xfrm rot="0">
+            <a:off x="0" y="0"/>
+            <a:ext cx="18288000" cy="1574800"/>
+          </a:xfrm>
+          <a:prstGeom prst="rect">
+            <a:avLst/>
+          </a:prstGeom>
+        </p:spPr>
+      </p:pic>
+      <p:pic>
+        <p:nvPicPr>
+          <p:cNvPr name="Picture 5" id="5"/>
+          <p:cNvPicPr>
+            <a:picLocks noChangeAspect="true"/>
+          </p:cNvPicPr>
+          <p:nvPr/>
+        </p:nvPicPr>
+        <p:blipFill>
+          <a:blip r:embed="rId4"/>
+          <a:stretch>
+            <a:fillRect/>
+          </a:stretch>
+        </p:blipFill>
+        <p:spPr>
+          <a:xfrm rot="0">
+            <a:off x="0" y="0"/>
+            <a:ext cx="1574800" cy="1574800"/>
+          </a:xfrm>
+          <a:prstGeom prst="rect">
+            <a:avLst/>
+          </a:prstGeom>
+        </p:spPr>
+      </p:pic>
+      <p:pic>
+        <p:nvPicPr>
+          <p:cNvPr name="Picture 6" id="6"/>
+          <p:cNvPicPr>
+            <a:picLocks noChangeAspect="true"/>
+          </p:cNvPicPr>
+          <p:nvPr/>
+        </p:nvPicPr>
+        <p:blipFill>
+          <a:blip r:embed="rId5"/>
+          <a:stretch>
+            <a:fillRect/>
+          </a:stretch>
+        </p:blipFill>
+        <p:spPr>
+          <a:xfrm rot="0">
+            <a:off x="0" y="1574800"/>
+            <a:ext cx="1574800" cy="8712200"/>
+          </a:xfrm>
+          <a:prstGeom prst="rect">
+            <a:avLst/>
+          </a:prstGeom>
+        </p:spPr>
+      </p:pic>
+      <p:grpSp>
+        <p:nvGrpSpPr>
+          <p:cNvPr name="Group 7" id="7"/>
+          <p:cNvGrpSpPr/>
+          <p:nvPr/>
+        </p:nvGrpSpPr>
+        <p:grpSpPr>
+          <a:xfrm>
+            <a:off x="2147483647" y="2147483647"/>
+            <a:ext cx="2147483647" cy="2147483647"/>
+          </a:xfrm>
+        </p:grpSpPr>
+      </p:grpSp>
+      <p:pic>
+        <p:nvPicPr>
+          <p:cNvPr name="Picture 8" id="8"/>
+          <p:cNvPicPr>
+            <a:picLocks noChangeAspect="true"/>
+          </p:cNvPicPr>
+          <p:nvPr/>
+        </p:nvPicPr>
+        <p:blipFill>
+          <a:blip r:embed="rId6"/>
+          <a:stretch>
+            <a:fillRect/>
+          </a:stretch>
+        </p:blipFill>
+        <p:spPr>
+          <a:xfrm rot="0">
+            <a:off x="11684000" y="1651000"/>
+            <a:ext cx="6210300" cy="3314700"/>
+          </a:xfrm>
+          <a:prstGeom prst="rect">
+            <a:avLst/>
+          </a:prstGeom>
+        </p:spPr>
+      </p:pic>
+      <p:pic>
+        <p:nvPicPr>
+          <p:cNvPr name="Picture 9" id="9"/>
+          <p:cNvPicPr>
+            <a:picLocks noChangeAspect="true"/>
+          </p:cNvPicPr>
+          <p:nvPr/>
+        </p:nvPicPr>
+        <p:blipFill>
+          <a:blip r:embed="rId7"/>
+          <a:stretch>
+            <a:fillRect/>
+          </a:stretch>
+        </p:blipFill>
+        <p:spPr>
+          <a:xfrm rot="0">
+            <a:off x="2082800" y="0"/>
+            <a:ext cx="6515100" cy="1905000"/>
+          </a:xfrm>
+          <a:prstGeom prst="rect">
+            <a:avLst/>
+          </a:prstGeom>
+        </p:spPr>
+      </p:pic>
+      <p:pic>
+        <p:nvPicPr>
+          <p:cNvPr name="Picture 10" id="10"/>
+          <p:cNvPicPr>
+            <a:picLocks noChangeAspect="true"/>
+          </p:cNvPicPr>
+          <p:nvPr/>
+        </p:nvPicPr>
+        <p:blipFill>
+          <a:blip r:embed="rId8"/>
+          <a:stretch>
+            <a:fillRect/>
+          </a:stretch>
+        </p:blipFill>
+        <p:spPr>
+          <a:xfrm rot="0">
+            <a:off x="152400" y="-228600"/>
+            <a:ext cx="1714500" cy="2133600"/>
+          </a:xfrm>
+          <a:prstGeom prst="rect">
+            <a:avLst/>
+          </a:prstGeom>
+        </p:spPr>
+      </p:pic>
+      <p:pic>
+        <p:nvPicPr>
+          <p:cNvPr name="Picture 11" id="11"/>
+          <p:cNvPicPr>
+            <a:picLocks noChangeAspect="true"/>
+          </p:cNvPicPr>
+          <p:nvPr/>
+        </p:nvPicPr>
+        <p:blipFill>
+          <a:blip r:embed="rId9"/>
+          <a:stretch>
+            <a:fillRect/>
+          </a:stretch>
+        </p:blipFill>
+        <p:spPr>
+          <a:xfrm rot="-5400000">
+            <a:off x="-4495800" y="6121400"/>
+            <a:ext cx="10706100" cy="571500"/>
+          </a:xfrm>
+          <a:prstGeom prst="rect">
+            <a:avLst/>
+          </a:prstGeom>
+        </p:spPr>
+      </p:pic>
+      <p:pic>
+        <p:nvPicPr>
+          <p:cNvPr name="Picture 12" id="12"/>
+          <p:cNvPicPr>
+            <a:picLocks noChangeAspect="true"/>
+          </p:cNvPicPr>
+          <p:nvPr/>
+        </p:nvPicPr>
+        <p:blipFill>
+          <a:blip r:embed="rId10"/>
+          <a:stretch>
+            <a:fillRect/>
+          </a:stretch>
+        </p:blipFill>
+        <p:spPr>
+          <a:xfrm rot="0">
+            <a:off x="2311400" y="3238500"/>
+            <a:ext cx="8496300" cy="6362700"/>
+          </a:xfrm>
+          <a:prstGeom prst="rect">
+            <a:avLst/>
+          </a:prstGeom>
+        </p:spPr>
+      </p:pic>
+      <p:pic>
+        <p:nvPicPr>
+          <p:cNvPr name="Picture 13" id="13"/>
+          <p:cNvPicPr>
+            <a:picLocks noChangeAspect="true"/>
+          </p:cNvPicPr>
+          <p:nvPr/>
+        </p:nvPicPr>
+        <p:blipFill>
+          <a:blip r:embed="rId11"/>
+          <a:stretch>
+            <a:fillRect/>
+          </a:stretch>
+        </p:blipFill>
+        <p:spPr>
+          <a:xfrm rot="0">
+            <a:off x="2247900" y="2044700"/>
+            <a:ext cx="7962900" cy="965200"/>
+          </a:xfrm>
+          <a:prstGeom prst="rect">
+            <a:avLst/>
+          </a:prstGeom>
+        </p:spPr>
+      </p:pic>
+      <p:pic>
+        <p:nvPicPr>
+          <p:cNvPr name="Picture 14" id="14"/>
+          <p:cNvPicPr>
+            <a:picLocks noChangeAspect="true"/>
+          </p:cNvPicPr>
+          <p:nvPr/>
+        </p:nvPicPr>
+        <p:blipFill>
+          <a:blip r:embed="rId12"/>
+          <a:stretch>
+            <a:fillRect/>
+          </a:stretch>
+        </p:blipFill>
+        <p:spPr>
+          <a:xfrm rot="5400000">
+            <a:off x="14376400" y="4279900"/>
+            <a:ext cx="812800" cy="647700"/>
+          </a:xfrm>
+          <a:prstGeom prst="rect">
+            <a:avLst/>
+          </a:prstGeom>
+        </p:spPr>
+      </p:pic>
+    </p:spTree>
+  </p:cSld>
+  <p:clrMapOvr>
+    <a:masterClrMapping/>
+  </p:clrMapOvr>
+</p:sld>
+</file>
+
+<file path=ppt/slides/slide12.xml><?xml version="1.0" encoding="utf-8"?>
+<p:sld xmlns:p="http://schemas.openxmlformats.org/presentationml/2006/main" xmlns:a="http://schemas.openxmlformats.org/drawingml/2006/main" xmlns:r="http://schemas.openxmlformats.org/officeDocument/2006/relationships">
+  <p:cSld>
+    <p:bg>
+      <p:bgPr>
+        <a:solidFill>
+          <a:srgbClr val="FFFFFF"/>
+        </a:solidFill>
+      </p:bgPr>
+    </p:bg>
+    <p:spTree>
+      <p:nvGrpSpPr>
+        <p:cNvPr id="1" name=""/>
+        <p:cNvGrpSpPr/>
+        <p:nvPr/>
+      </p:nvGrpSpPr>
+      <p:grpSpPr>
+        <a:xfrm>
+          <a:off x="0" y="0"/>
+          <a:ext cx="0" cy="0"/>
+          <a:chOff x="0" y="0"/>
+          <a:chExt cx="0" cy="0"/>
+        </a:xfrm>
+      </p:grpSpPr>
       <p:pic>
         <p:nvPicPr>
           <p:cNvPr name="Picture 2" id="2"/>
@@ -5167,9 +5490,33 @@
           </a:prstGeom>
         </p:spPr>
       </p:pic>
+      <p:pic>
+        <p:nvPicPr>
+          <p:cNvPr name="Picture 5" id="5"/>
+          <p:cNvPicPr>
+            <a:picLocks noChangeAspect="true"/>
+          </p:cNvPicPr>
+          <p:nvPr/>
+        </p:nvPicPr>
+        <p:blipFill>
+          <a:blip r:embed="rId5"/>
+          <a:stretch>
+            <a:fillRect/>
+          </a:stretch>
+        </p:blipFill>
+        <p:spPr>
+          <a:xfrm rot="0">
+            <a:off x="14554200" y="1574800"/>
+            <a:ext cx="3733800" cy="3733800"/>
+          </a:xfrm>
+          <a:prstGeom prst="rect">
+            <a:avLst/>
+          </a:prstGeom>
+        </p:spPr>
+      </p:pic>
       <p:grpSp>
         <p:nvGrpSpPr>
-          <p:cNvPr name="Group 5" id="5"/>
+          <p:cNvPr name="Group 6" id="6"/>
           <p:cNvGrpSpPr/>
           <p:nvPr/>
         </p:nvGrpSpPr>
@@ -5182,30 +5529,6 @@
       </p:grpSp>
       <p:pic>
         <p:nvPicPr>
-          <p:cNvPr name="Picture 6" id="6"/>
-          <p:cNvPicPr>
-            <a:picLocks noChangeAspect="true"/>
-          </p:cNvPicPr>
-          <p:nvPr/>
-        </p:nvPicPr>
-        <p:blipFill>
-          <a:blip r:embed="rId5"/>
-          <a:stretch>
-            <a:fillRect/>
-          </a:stretch>
-        </p:blipFill>
-        <p:spPr>
-          <a:xfrm rot="0">
-            <a:off x="3454400" y="1574800"/>
-            <a:ext cx="11379200" cy="8712200"/>
-          </a:xfrm>
-          <a:prstGeom prst="rect">
-            <a:avLst/>
-          </a:prstGeom>
-        </p:spPr>
-      </p:pic>
-      <p:pic>
-        <p:nvPicPr>
           <p:cNvPr name="Picture 7" id="7"/>
           <p:cNvPicPr>
             <a:picLocks noChangeAspect="true"/>
@@ -5220,32 +5543,32 @@
         </p:blipFill>
         <p:spPr>
           <a:xfrm rot="0">
+            <a:off x="11938000" y="3479800"/>
+            <a:ext cx="5156200" cy="6172200"/>
+          </a:xfrm>
+          <a:prstGeom prst="rect">
+            <a:avLst/>
+          </a:prstGeom>
+        </p:spPr>
+      </p:pic>
+      <p:pic>
+        <p:nvPicPr>
+          <p:cNvPr name="Picture 8" id="8"/>
+          <p:cNvPicPr>
+            <a:picLocks noChangeAspect="true"/>
+          </p:cNvPicPr>
+          <p:nvPr/>
+        </p:nvPicPr>
+        <p:blipFill>
+          <a:blip r:embed="rId7"/>
+          <a:stretch>
+            <a:fillRect/>
+          </a:stretch>
+        </p:blipFill>
+        <p:spPr>
+          <a:xfrm rot="0">
             <a:off x="2120900" y="0"/>
-            <a:ext cx="7378700" cy="1905000"/>
-          </a:xfrm>
-          <a:prstGeom prst="rect">
-            <a:avLst/>
-          </a:prstGeom>
-        </p:spPr>
-      </p:pic>
-      <p:pic>
-        <p:nvPicPr>
-          <p:cNvPr name="Picture 8" id="8"/>
-          <p:cNvPicPr>
-            <a:picLocks noChangeAspect="true"/>
-          </p:cNvPicPr>
-          <p:nvPr/>
-        </p:nvPicPr>
-        <p:blipFill>
-          <a:blip r:embed="rId7"/>
-          <a:stretch>
-            <a:fillRect/>
-          </a:stretch>
-        </p:blipFill>
-        <p:spPr>
-          <a:xfrm rot="0">
-            <a:off x="-139700" y="-165100"/>
-            <a:ext cx="2133600" cy="2133600"/>
+            <a:ext cx="8559800" cy="1905000"/>
           </a:xfrm>
           <a:prstGeom prst="rect">
             <a:avLst/>
@@ -5262,6 +5585,78 @@
         </p:nvPicPr>
         <p:blipFill>
           <a:blip r:embed="rId8"/>
+          <a:stretch>
+            <a:fillRect/>
+          </a:stretch>
+        </p:blipFill>
+        <p:spPr>
+          <a:xfrm rot="0">
+            <a:off x="2298700" y="2768600"/>
+            <a:ext cx="7175500" cy="7035800"/>
+          </a:xfrm>
+          <a:prstGeom prst="rect">
+            <a:avLst/>
+          </a:prstGeom>
+        </p:spPr>
+      </p:pic>
+      <p:pic>
+        <p:nvPicPr>
+          <p:cNvPr name="Picture 10" id="10"/>
+          <p:cNvPicPr>
+            <a:picLocks noChangeAspect="true"/>
+          </p:cNvPicPr>
+          <p:nvPr/>
+        </p:nvPicPr>
+        <p:blipFill>
+          <a:blip r:embed="rId9"/>
+          <a:stretch>
+            <a:fillRect/>
+          </a:stretch>
+        </p:blipFill>
+        <p:spPr>
+          <a:xfrm rot="0">
+            <a:off x="2247900" y="2019300"/>
+            <a:ext cx="2108200" cy="965200"/>
+          </a:xfrm>
+          <a:prstGeom prst="rect">
+            <a:avLst/>
+          </a:prstGeom>
+        </p:spPr>
+      </p:pic>
+      <p:pic>
+        <p:nvPicPr>
+          <p:cNvPr name="Picture 11" id="11"/>
+          <p:cNvPicPr>
+            <a:picLocks noChangeAspect="true"/>
+          </p:cNvPicPr>
+          <p:nvPr/>
+        </p:nvPicPr>
+        <p:blipFill>
+          <a:blip r:embed="rId10"/>
+          <a:stretch>
+            <a:fillRect/>
+          </a:stretch>
+        </p:blipFill>
+        <p:spPr>
+          <a:xfrm rot="0">
+            <a:off x="-139700" y="-254000"/>
+            <a:ext cx="2120900" cy="2273300"/>
+          </a:xfrm>
+          <a:prstGeom prst="rect">
+            <a:avLst/>
+          </a:prstGeom>
+        </p:spPr>
+      </p:pic>
+      <p:pic>
+        <p:nvPicPr>
+          <p:cNvPr name="Picture 12" id="12"/>
+          <p:cNvPicPr>
+            <a:picLocks noChangeAspect="true"/>
+          </p:cNvPicPr>
+          <p:nvPr/>
+        </p:nvPicPr>
+        <p:blipFill>
+          <a:blip r:embed="rId11"/>
           <a:stretch>
             <a:fillRect/>
           </a:stretch>
@@ -5593,33 +5988,9 @@
           </a:prstGeom>
         </p:spPr>
       </p:pic>
-      <p:pic>
-        <p:nvPicPr>
-          <p:cNvPr name="Picture 5" id="5"/>
-          <p:cNvPicPr>
-            <a:picLocks noChangeAspect="true"/>
-          </p:cNvPicPr>
-          <p:nvPr/>
-        </p:nvPicPr>
-        <p:blipFill>
-          <a:blip r:embed="rId5"/>
-          <a:stretch>
-            <a:fillRect/>
-          </a:stretch>
-        </p:blipFill>
-        <p:spPr>
-          <a:xfrm rot="0">
-            <a:off x="1155700" y="-1333500"/>
-            <a:ext cx="21653500" cy="14516100"/>
-          </a:xfrm>
-          <a:prstGeom prst="rect">
-            <a:avLst/>
-          </a:prstGeom>
-        </p:spPr>
-      </p:pic>
       <p:grpSp>
         <p:nvGrpSpPr>
-          <p:cNvPr name="Group 6" id="6"/>
+          <p:cNvPr name="Group 5" id="5"/>
           <p:cNvGrpSpPr/>
           <p:nvPr/>
         </p:nvGrpSpPr>
@@ -5632,6 +6003,30 @@
       </p:grpSp>
       <p:pic>
         <p:nvPicPr>
+          <p:cNvPr name="Picture 6" id="6"/>
+          <p:cNvPicPr>
+            <a:picLocks noChangeAspect="true"/>
+          </p:cNvPicPr>
+          <p:nvPr/>
+        </p:nvPicPr>
+        <p:blipFill>
+          <a:blip r:embed="rId5"/>
+          <a:stretch>
+            <a:fillRect/>
+          </a:stretch>
+        </p:blipFill>
+        <p:spPr>
+          <a:xfrm rot="0">
+            <a:off x="3454400" y="1574800"/>
+            <a:ext cx="11379200" cy="8712200"/>
+          </a:xfrm>
+          <a:prstGeom prst="rect">
+            <a:avLst/>
+          </a:prstGeom>
+        </p:spPr>
+      </p:pic>
+      <p:pic>
+        <p:nvPicPr>
           <p:cNvPr name="Picture 7" id="7"/>
           <p:cNvPicPr>
             <a:picLocks noChangeAspect="true"/>
@@ -5646,8 +6041,8 @@
         </p:blipFill>
         <p:spPr>
           <a:xfrm rot="0">
-            <a:off x="1765300" y="1968500"/>
-            <a:ext cx="4229100" cy="2413000"/>
+            <a:off x="2120900" y="0"/>
+            <a:ext cx="7378700" cy="1905000"/>
           </a:xfrm>
           <a:prstGeom prst="rect">
             <a:avLst/>
@@ -5670,8 +6065,8 @@
         </p:blipFill>
         <p:spPr>
           <a:xfrm rot="0">
-            <a:off x="2120900" y="0"/>
-            <a:ext cx="6108700" cy="1905000"/>
+            <a:off x="-139700" y="-165100"/>
+            <a:ext cx="2133600" cy="2133600"/>
           </a:xfrm>
           <a:prstGeom prst="rect">
             <a:avLst/>
@@ -5688,30 +6083,6 @@
         </p:nvPicPr>
         <p:blipFill>
           <a:blip r:embed="rId8"/>
-          <a:stretch>
-            <a:fillRect/>
-          </a:stretch>
-        </p:blipFill>
-        <p:spPr>
-          <a:xfrm rot="0">
-            <a:off x="152400" y="-190500"/>
-            <a:ext cx="1689100" cy="2120900"/>
-          </a:xfrm>
-          <a:prstGeom prst="rect">
-            <a:avLst/>
-          </a:prstGeom>
-        </p:spPr>
-      </p:pic>
-      <p:pic>
-        <p:nvPicPr>
-          <p:cNvPr name="Picture 10" id="10"/>
-          <p:cNvPicPr>
-            <a:picLocks noChangeAspect="true"/>
-          </p:cNvPicPr>
-          <p:nvPr/>
-        </p:nvPicPr>
-        <p:blipFill>
-          <a:blip r:embed="rId9"/>
           <a:stretch>
             <a:fillRect/>
           </a:stretch>
@@ -5830,9 +6201,33 @@
           </a:prstGeom>
         </p:spPr>
       </p:pic>
+      <p:pic>
+        <p:nvPicPr>
+          <p:cNvPr name="Picture 5" id="5"/>
+          <p:cNvPicPr>
+            <a:picLocks noChangeAspect="true"/>
+          </p:cNvPicPr>
+          <p:nvPr/>
+        </p:nvPicPr>
+        <p:blipFill>
+          <a:blip r:embed="rId5"/>
+          <a:stretch>
+            <a:fillRect/>
+          </a:stretch>
+        </p:blipFill>
+        <p:spPr>
+          <a:xfrm rot="0">
+            <a:off x="1155700" y="-1333500"/>
+            <a:ext cx="21653500" cy="14516100"/>
+          </a:xfrm>
+          <a:prstGeom prst="rect">
+            <a:avLst/>
+          </a:prstGeom>
+        </p:spPr>
+      </p:pic>
       <p:grpSp>
         <p:nvGrpSpPr>
-          <p:cNvPr name="Group 5" id="5"/>
+          <p:cNvPr name="Group 6" id="6"/>
           <p:cNvGrpSpPr/>
           <p:nvPr/>
         </p:nvGrpSpPr>
@@ -5845,41 +6240,28 @@
       </p:grpSp>
       <p:pic>
         <p:nvPicPr>
-          <p:cNvPr name="Picture 6" id="6"/>
-          <p:cNvPicPr>
-            <a:picLocks noChangeAspect="true"/>
-          </p:cNvPicPr>
-          <p:nvPr/>
-        </p:nvPicPr>
-        <p:blipFill>
-          <a:blip r:embed="rId5"/>
-          <a:stretch>
-            <a:fillRect/>
-          </a:stretch>
-        </p:blipFill>
-        <p:spPr>
-          <a:xfrm rot="0">
-            <a:off x="11696700" y="1828800"/>
-            <a:ext cx="6172200" cy="3911600"/>
-          </a:xfrm>
-          <a:prstGeom prst="rect">
-            <a:avLst/>
-          </a:prstGeom>
-        </p:spPr>
-      </p:pic>
-      <p:grpSp>
-        <p:nvGrpSpPr>
-          <p:cNvPr name="Group 7" id="7"/>
-          <p:cNvGrpSpPr/>
-          <p:nvPr/>
-        </p:nvGrpSpPr>
-        <p:grpSpPr>
-          <a:xfrm>
-            <a:off x="2147483647" y="2147483647"/>
-            <a:ext cx="2147483647" cy="2147483647"/>
-          </a:xfrm>
-        </p:grpSpPr>
-      </p:grpSp>
+          <p:cNvPr name="Picture 7" id="7"/>
+          <p:cNvPicPr>
+            <a:picLocks noChangeAspect="true"/>
+          </p:cNvPicPr>
+          <p:nvPr/>
+        </p:nvPicPr>
+        <p:blipFill>
+          <a:blip r:embed="rId6"/>
+          <a:stretch>
+            <a:fillRect/>
+          </a:stretch>
+        </p:blipFill>
+        <p:spPr>
+          <a:xfrm rot="0">
+            <a:off x="1765300" y="1968500"/>
+            <a:ext cx="4229100" cy="2413000"/>
+          </a:xfrm>
+          <a:prstGeom prst="rect">
+            <a:avLst/>
+          </a:prstGeom>
+        </p:spPr>
+      </p:pic>
       <p:pic>
         <p:nvPicPr>
           <p:cNvPr name="Picture 8" id="8"/>
@@ -5889,15 +6271,15 @@
           <p:nvPr/>
         </p:nvPicPr>
         <p:blipFill>
-          <a:blip r:embed="rId6"/>
-          <a:stretch>
-            <a:fillRect/>
-          </a:stretch>
-        </p:blipFill>
-        <p:spPr>
-          <a:xfrm rot="0">
-            <a:off x="11696700" y="5753100"/>
-            <a:ext cx="6172200" cy="3911600"/>
+          <a:blip r:embed="rId7"/>
+          <a:stretch>
+            <a:fillRect/>
+          </a:stretch>
+        </p:blipFill>
+        <p:spPr>
+          <a:xfrm rot="0">
+            <a:off x="2120900" y="0"/>
+            <a:ext cx="6108700" cy="1905000"/>
           </a:xfrm>
           <a:prstGeom prst="rect">
             <a:avLst/>
@@ -5913,15 +6295,15 @@
           <p:nvPr/>
         </p:nvPicPr>
         <p:blipFill>
-          <a:blip r:embed="rId7"/>
-          <a:stretch>
-            <a:fillRect/>
-          </a:stretch>
-        </p:blipFill>
-        <p:spPr>
-          <a:xfrm rot="5400000">
-            <a:off x="14376400" y="5016500"/>
-            <a:ext cx="812800" cy="647700"/>
+          <a:blip r:embed="rId8"/>
+          <a:stretch>
+            <a:fillRect/>
+          </a:stretch>
+        </p:blipFill>
+        <p:spPr>
+          <a:xfrm rot="0">
+            <a:off x="152400" y="-190500"/>
+            <a:ext cx="1689100" cy="2120900"/>
           </a:xfrm>
           <a:prstGeom prst="rect">
             <a:avLst/>
@@ -5937,55 +6319,7 @@
           <p:nvPr/>
         </p:nvPicPr>
         <p:blipFill>
-          <a:blip r:embed="rId8"/>
-          <a:stretch>
-            <a:fillRect/>
-          </a:stretch>
-        </p:blipFill>
-        <p:spPr>
-          <a:xfrm rot="0">
-            <a:off x="2082800" y="0"/>
-            <a:ext cx="6515100" cy="1905000"/>
-          </a:xfrm>
-          <a:prstGeom prst="rect">
-            <a:avLst/>
-          </a:prstGeom>
-        </p:spPr>
-      </p:pic>
-      <p:pic>
-        <p:nvPicPr>
-          <p:cNvPr name="Picture 11" id="11"/>
-          <p:cNvPicPr>
-            <a:picLocks noChangeAspect="true"/>
-          </p:cNvPicPr>
-          <p:nvPr/>
-        </p:nvPicPr>
-        <p:blipFill>
           <a:blip r:embed="rId9"/>
-          <a:stretch>
-            <a:fillRect/>
-          </a:stretch>
-        </p:blipFill>
-        <p:spPr>
-          <a:xfrm rot="0">
-            <a:off x="152400" y="-228600"/>
-            <a:ext cx="1714500" cy="2133600"/>
-          </a:xfrm>
-          <a:prstGeom prst="rect">
-            <a:avLst/>
-          </a:prstGeom>
-        </p:spPr>
-      </p:pic>
-      <p:pic>
-        <p:nvPicPr>
-          <p:cNvPr name="Picture 12" id="12"/>
-          <p:cNvPicPr>
-            <a:picLocks noChangeAspect="true"/>
-          </p:cNvPicPr>
-          <p:nvPr/>
-        </p:nvPicPr>
-        <p:blipFill>
-          <a:blip r:embed="rId10"/>
           <a:stretch>
             <a:fillRect/>
           </a:stretch>
@@ -5994,54 +6328,6 @@
           <a:xfrm rot="-5400000">
             <a:off x="-4495800" y="6121400"/>
             <a:ext cx="10706100" cy="571500"/>
-          </a:xfrm>
-          <a:prstGeom prst="rect">
-            <a:avLst/>
-          </a:prstGeom>
-        </p:spPr>
-      </p:pic>
-      <p:pic>
-        <p:nvPicPr>
-          <p:cNvPr name="Picture 13" id="13"/>
-          <p:cNvPicPr>
-            <a:picLocks noChangeAspect="true"/>
-          </p:cNvPicPr>
-          <p:nvPr/>
-        </p:nvPicPr>
-        <p:blipFill>
-          <a:blip r:embed="rId11"/>
-          <a:stretch>
-            <a:fillRect/>
-          </a:stretch>
-        </p:blipFill>
-        <p:spPr>
-          <a:xfrm rot="0">
-            <a:off x="2311400" y="3276600"/>
-            <a:ext cx="6299200" cy="3822700"/>
-          </a:xfrm>
-          <a:prstGeom prst="rect">
-            <a:avLst/>
-          </a:prstGeom>
-        </p:spPr>
-      </p:pic>
-      <p:pic>
-        <p:nvPicPr>
-          <p:cNvPr name="Picture 14" id="14"/>
-          <p:cNvPicPr>
-            <a:picLocks noChangeAspect="true"/>
-          </p:cNvPicPr>
-          <p:nvPr/>
-        </p:nvPicPr>
-        <p:blipFill>
-          <a:blip r:embed="rId12"/>
-          <a:stretch>
-            <a:fillRect/>
-          </a:stretch>
-        </p:blipFill>
-        <p:spPr>
-          <a:xfrm rot="0">
-            <a:off x="2235200" y="2044700"/>
-            <a:ext cx="8216900" cy="965200"/>
           </a:xfrm>
           <a:prstGeom prst="rect">
             <a:avLst/>
